--- a/Report 1/Schedule.pptx
+++ b/Report 1/Schedule.pptx
@@ -217,9 +217,9 @@
           <c:invertIfNegative val="0"/>
           <c:cat>
             <c:strRef>
-              <c:f>Sheet1!$A$2:$A$13</c:f>
+              <c:f>Sheet1!$A$2:$A$14</c:f>
               <c:strCache>
-                <c:ptCount val="12"/>
+                <c:ptCount val="13"/>
                 <c:pt idx="0">
                   <c:v>Literature Review</c:v>
                 </c:pt>
@@ -233,13 +233,13 @@
                   <c:v>MVP (KNN-Descent)</c:v>
                 </c:pt>
                 <c:pt idx="4">
-                  <c:v>Code Optimization</c:v>
+                  <c:v>Code Optimization/ Additional Features</c:v>
                 </c:pt>
                 <c:pt idx="5">
                   <c:v>Benchmarking/Testing</c:v>
                 </c:pt>
                 <c:pt idx="6">
-                  <c:v>Deployment</c:v>
+                  <c:v>KeOps Integration</c:v>
                 </c:pt>
                 <c:pt idx="7">
                   <c:v>Code Documentation</c:v>
@@ -251,9 +251,12 @@
                   <c:v>Report 2</c:v>
                 </c:pt>
                 <c:pt idx="10">
+                  <c:v>Exam Period</c:v>
+                </c:pt>
+                <c:pt idx="11">
                   <c:v>Final Report</c:v>
                 </c:pt>
-                <c:pt idx="11">
+                <c:pt idx="12">
                   <c:v>Final Presentation</c:v>
                 </c:pt>
               </c:strCache>
@@ -261,10 +264,10 @@
           </c:cat>
           <c:val>
             <c:numRef>
-              <c:f>Sheet1!$B$2:$B$13</c:f>
+              <c:f>Sheet1!$B$2:$B$14</c:f>
               <c:numCache>
                 <c:formatCode>d\ mmm</c:formatCode>
-                <c:ptCount val="12"/>
+                <c:ptCount val="13"/>
                 <c:pt idx="0">
                   <c:v>44200</c:v>
                 </c:pt>
@@ -281,25 +284,28 @@
                   <c:v>44230</c:v>
                 </c:pt>
                 <c:pt idx="5">
-                  <c:v>44250</c:v>
+                  <c:v>44240</c:v>
                 </c:pt>
                 <c:pt idx="6">
-                  <c:v>44270</c:v>
+                  <c:v>44262</c:v>
                 </c:pt>
                 <c:pt idx="7">
-                  <c:v>44280</c:v>
+                  <c:v>44291</c:v>
                 </c:pt>
                 <c:pt idx="8">
-                  <c:v>44212</c:v>
+                  <c:v>44211</c:v>
                 </c:pt>
                 <c:pt idx="9">
-                  <c:v>44232</c:v>
+                  <c:v>44231</c:v>
                 </c:pt>
                 <c:pt idx="10">
-                  <c:v>44267</c:v>
+                  <c:v>44277</c:v>
                 </c:pt>
                 <c:pt idx="11">
-                  <c:v>44296</c:v>
+                  <c:v>44291</c:v>
+                </c:pt>
+                <c:pt idx="12">
+                  <c:v>44310</c:v>
                 </c:pt>
               </c:numCache>
             </c:numRef>
@@ -337,11 +343,30 @@
             <a:effectLst/>
           </c:spPr>
           <c:invertIfNegative val="0"/>
+          <c:dPt>
+            <c:idx val="10"/>
+            <c:invertIfNegative val="0"/>
+            <c:bubble3D val="0"/>
+            <c:spPr>
+              <a:solidFill>
+                <a:schemeClr val="tx1"/>
+              </a:solidFill>
+              <a:ln>
+                <a:noFill/>
+              </a:ln>
+              <a:effectLst/>
+            </c:spPr>
+            <c:extLst>
+              <c:ext xmlns:c16="http://schemas.microsoft.com/office/drawing/2014/chart" uri="{C3380CC4-5D6E-409C-BE32-E72D297353CC}">
+                <c16:uniqueId val="{00000001-CB37-4FAE-B8F8-390CEA45DFDA}"/>
+              </c:ext>
+            </c:extLst>
+          </c:dPt>
           <c:cat>
             <c:strRef>
-              <c:f>Sheet1!$A$2:$A$13</c:f>
+              <c:f>Sheet1!$A$2:$A$14</c:f>
               <c:strCache>
-                <c:ptCount val="12"/>
+                <c:ptCount val="13"/>
                 <c:pt idx="0">
                   <c:v>Literature Review</c:v>
                 </c:pt>
@@ -355,13 +380,13 @@
                   <c:v>MVP (KNN-Descent)</c:v>
                 </c:pt>
                 <c:pt idx="4">
-                  <c:v>Code Optimization</c:v>
+                  <c:v>Code Optimization/ Additional Features</c:v>
                 </c:pt>
                 <c:pt idx="5">
                   <c:v>Benchmarking/Testing</c:v>
                 </c:pt>
                 <c:pt idx="6">
-                  <c:v>Deployment</c:v>
+                  <c:v>KeOps Integration</c:v>
                 </c:pt>
                 <c:pt idx="7">
                   <c:v>Code Documentation</c:v>
@@ -373,9 +398,12 @@
                   <c:v>Report 2</c:v>
                 </c:pt>
                 <c:pt idx="10">
+                  <c:v>Exam Period</c:v>
+                </c:pt>
+                <c:pt idx="11">
                   <c:v>Final Report</c:v>
                 </c:pt>
-                <c:pt idx="11">
+                <c:pt idx="12">
                   <c:v>Final Presentation</c:v>
                 </c:pt>
               </c:strCache>
@@ -383,10 +411,10 @@
           </c:cat>
           <c:val>
             <c:numRef>
-              <c:f>Sheet1!$D$2:$D$13</c:f>
+              <c:f>Sheet1!$D$2:$D$14</c:f>
               <c:numCache>
                 <c:formatCode>General</c:formatCode>
-                <c:ptCount val="12"/>
+                <c:ptCount val="13"/>
                 <c:pt idx="0">
                   <c:v>10</c:v>
                 </c:pt>
@@ -400,16 +428,16 @@
                   <c:v>10</c:v>
                 </c:pt>
                 <c:pt idx="4">
-                  <c:v>20</c:v>
+                  <c:v>30</c:v>
                 </c:pt>
                 <c:pt idx="5">
-                  <c:v>20</c:v>
+                  <c:v>30</c:v>
                 </c:pt>
                 <c:pt idx="6">
-                  <c:v>10</c:v>
+                  <c:v>15</c:v>
                 </c:pt>
                 <c:pt idx="7">
-                  <c:v>20</c:v>
+                  <c:v>23</c:v>
                 </c:pt>
                 <c:pt idx="8">
                   <c:v>20</c:v>
@@ -418,9 +446,12 @@
                   <c:v>28</c:v>
                 </c:pt>
                 <c:pt idx="10">
-                  <c:v>45</c:v>
+                  <c:v>14</c:v>
                 </c:pt>
                 <c:pt idx="11">
+                  <c:v>37</c:v>
+                </c:pt>
+                <c:pt idx="12">
                   <c:v>20</c:v>
                 </c:pt>
               </c:numCache>
@@ -482,12 +513,12 @@
                     <c:extLst>
                       <c:ext uri="{02D57815-91ED-43cb-92C2-25804820EDAC}">
                         <c15:formulaRef>
-                          <c15:sqref>Sheet1!$A$2:$A$13</c15:sqref>
+                          <c15:sqref>Sheet1!$A$2:$A$14</c15:sqref>
                         </c15:formulaRef>
                       </c:ext>
                     </c:extLst>
                     <c:strCache>
-                      <c:ptCount val="12"/>
+                      <c:ptCount val="13"/>
                       <c:pt idx="0">
                         <c:v>Literature Review</c:v>
                       </c:pt>
@@ -501,13 +532,13 @@
                         <c:v>MVP (KNN-Descent)</c:v>
                       </c:pt>
                       <c:pt idx="4">
-                        <c:v>Code Optimization</c:v>
+                        <c:v>Code Optimization/ Additional Features</c:v>
                       </c:pt>
                       <c:pt idx="5">
                         <c:v>Benchmarking/Testing</c:v>
                       </c:pt>
                       <c:pt idx="6">
-                        <c:v>Deployment</c:v>
+                        <c:v>KeOps Integration</c:v>
                       </c:pt>
                       <c:pt idx="7">
                         <c:v>Code Documentation</c:v>
@@ -519,9 +550,12 @@
                         <c:v>Report 2</c:v>
                       </c:pt>
                       <c:pt idx="10">
+                        <c:v>Exam Period</c:v>
+                      </c:pt>
+                      <c:pt idx="11">
                         <c:v>Final Report</c:v>
                       </c:pt>
-                      <c:pt idx="11">
+                      <c:pt idx="12">
                         <c:v>Final Presentation</c:v>
                       </c:pt>
                     </c:strCache>
@@ -532,13 +566,13 @@
                     <c:extLst>
                       <c:ext uri="{02D57815-91ED-43cb-92C2-25804820EDAC}">
                         <c15:formulaRef>
-                          <c15:sqref>Sheet1!$C$2:$C$13</c15:sqref>
+                          <c15:sqref>Sheet1!$C$2:$C$14</c15:sqref>
                         </c15:formulaRef>
                       </c:ext>
                     </c:extLst>
                     <c:numCache>
                       <c:formatCode>d\ mmm</c:formatCode>
-                      <c:ptCount val="12"/>
+                      <c:ptCount val="13"/>
                       <c:pt idx="0">
                         <c:v>44210</c:v>
                       </c:pt>
@@ -552,28 +586,31 @@
                         <c:v>44230</c:v>
                       </c:pt>
                       <c:pt idx="4">
-                        <c:v>44250</c:v>
+                        <c:v>44260</c:v>
                       </c:pt>
                       <c:pt idx="5">
                         <c:v>44270</c:v>
                       </c:pt>
                       <c:pt idx="6">
-                        <c:v>44280</c:v>
+                        <c:v>44277</c:v>
                       </c:pt>
                       <c:pt idx="7">
-                        <c:v>44300</c:v>
+                        <c:v>44314</c:v>
                       </c:pt>
                       <c:pt idx="8">
-                        <c:v>44232</c:v>
+                        <c:v>44231</c:v>
                       </c:pt>
                       <c:pt idx="9">
-                        <c:v>44260</c:v>
+                        <c:v>44259</c:v>
                       </c:pt>
                       <c:pt idx="10">
-                        <c:v>44312</c:v>
+                        <c:v>44291</c:v>
                       </c:pt>
                       <c:pt idx="11">
-                        <c:v>44316</c:v>
+                        <c:v>44328</c:v>
+                      </c:pt>
+                      <c:pt idx="12">
+                        <c:v>44330</c:v>
                       </c:pt>
                     </c:numCache>
                   </c:numRef>
@@ -643,7 +680,7 @@
         <c:axId val="941567696"/>
         <c:scaling>
           <c:orientation val="minMax"/>
-          <c:max val="44316"/>
+          <c:max val="44330"/>
           <c:min val="44200"/>
         </c:scaling>
         <c:delete val="0"/>
@@ -1437,7 +1474,7 @@
           <a:p>
             <a:fld id="{71BC78B5-5E36-4667-9623-62AF9EE9F50C}" type="datetimeFigureOut">
               <a:rPr lang="en-SG" smtClean="0"/>
-              <a:t>24/1/2021</a:t>
+              <a:t>28/1/2021</a:t>
             </a:fld>
             <a:endParaRPr lang="en-SG"/>
           </a:p>
@@ -1637,7 +1674,7 @@
           <a:p>
             <a:fld id="{71BC78B5-5E36-4667-9623-62AF9EE9F50C}" type="datetimeFigureOut">
               <a:rPr lang="en-SG" smtClean="0"/>
-              <a:t>24/1/2021</a:t>
+              <a:t>28/1/2021</a:t>
             </a:fld>
             <a:endParaRPr lang="en-SG"/>
           </a:p>
@@ -1847,7 +1884,7 @@
           <a:p>
             <a:fld id="{71BC78B5-5E36-4667-9623-62AF9EE9F50C}" type="datetimeFigureOut">
               <a:rPr lang="en-SG" smtClean="0"/>
-              <a:t>24/1/2021</a:t>
+              <a:t>28/1/2021</a:t>
             </a:fld>
             <a:endParaRPr lang="en-SG"/>
           </a:p>
@@ -2047,7 +2084,7 @@
           <a:p>
             <a:fld id="{71BC78B5-5E36-4667-9623-62AF9EE9F50C}" type="datetimeFigureOut">
               <a:rPr lang="en-SG" smtClean="0"/>
-              <a:t>24/1/2021</a:t>
+              <a:t>28/1/2021</a:t>
             </a:fld>
             <a:endParaRPr lang="en-SG"/>
           </a:p>
@@ -2323,7 +2360,7 @@
           <a:p>
             <a:fld id="{71BC78B5-5E36-4667-9623-62AF9EE9F50C}" type="datetimeFigureOut">
               <a:rPr lang="en-SG" smtClean="0"/>
-              <a:t>24/1/2021</a:t>
+              <a:t>28/1/2021</a:t>
             </a:fld>
             <a:endParaRPr lang="en-SG"/>
           </a:p>
@@ -2591,7 +2628,7 @@
           <a:p>
             <a:fld id="{71BC78B5-5E36-4667-9623-62AF9EE9F50C}" type="datetimeFigureOut">
               <a:rPr lang="en-SG" smtClean="0"/>
-              <a:t>24/1/2021</a:t>
+              <a:t>28/1/2021</a:t>
             </a:fld>
             <a:endParaRPr lang="en-SG"/>
           </a:p>
@@ -3006,7 +3043,7 @@
           <a:p>
             <a:fld id="{71BC78B5-5E36-4667-9623-62AF9EE9F50C}" type="datetimeFigureOut">
               <a:rPr lang="en-SG" smtClean="0"/>
-              <a:t>24/1/2021</a:t>
+              <a:t>28/1/2021</a:t>
             </a:fld>
             <a:endParaRPr lang="en-SG"/>
           </a:p>
@@ -3148,7 +3185,7 @@
           <a:p>
             <a:fld id="{71BC78B5-5E36-4667-9623-62AF9EE9F50C}" type="datetimeFigureOut">
               <a:rPr lang="en-SG" smtClean="0"/>
-              <a:t>24/1/2021</a:t>
+              <a:t>28/1/2021</a:t>
             </a:fld>
             <a:endParaRPr lang="en-SG"/>
           </a:p>
@@ -3261,7 +3298,7 @@
           <a:p>
             <a:fld id="{71BC78B5-5E36-4667-9623-62AF9EE9F50C}" type="datetimeFigureOut">
               <a:rPr lang="en-SG" smtClean="0"/>
-              <a:t>24/1/2021</a:t>
+              <a:t>28/1/2021</a:t>
             </a:fld>
             <a:endParaRPr lang="en-SG"/>
           </a:p>
@@ -3574,7 +3611,7 @@
           <a:p>
             <a:fld id="{71BC78B5-5E36-4667-9623-62AF9EE9F50C}" type="datetimeFigureOut">
               <a:rPr lang="en-SG" smtClean="0"/>
-              <a:t>24/1/2021</a:t>
+              <a:t>28/1/2021</a:t>
             </a:fld>
             <a:endParaRPr lang="en-SG"/>
           </a:p>
@@ -3863,7 +3900,7 @@
           <a:p>
             <a:fld id="{71BC78B5-5E36-4667-9623-62AF9EE9F50C}" type="datetimeFigureOut">
               <a:rPr lang="en-SG" smtClean="0"/>
-              <a:t>24/1/2021</a:t>
+              <a:t>28/1/2021</a:t>
             </a:fld>
             <a:endParaRPr lang="en-SG"/>
           </a:p>
@@ -4106,7 +4143,7 @@
           <a:p>
             <a:fld id="{71BC78B5-5E36-4667-9623-62AF9EE9F50C}" type="datetimeFigureOut">
               <a:rPr lang="en-SG" smtClean="0"/>
-              <a:t>24/1/2021</a:t>
+              <a:t>28/1/2021</a:t>
             </a:fld>
             <a:endParaRPr lang="en-SG"/>
           </a:p>
@@ -4536,14 +4573,14 @@
           <p:nvPr>
             <p:extLst>
               <p:ext uri="{D42A27DB-BD31-4B8C-83A1-F6EECF244321}">
-                <p14:modId xmlns:p14="http://schemas.microsoft.com/office/powerpoint/2010/main" val="1070609428"/>
+                <p14:modId xmlns:p14="http://schemas.microsoft.com/office/powerpoint/2010/main" val="330634557"/>
               </p:ext>
             </p:extLst>
           </p:nvPr>
         </p:nvGraphicFramePr>
         <p:xfrm>
-          <a:off x="2032000" y="719666"/>
-          <a:ext cx="8128000" cy="5418667"/>
+          <a:off x="544010" y="719666"/>
+          <a:ext cx="9615990" cy="5418667"/>
         </p:xfrm>
         <a:graphic>
           <a:graphicData uri="http://schemas.openxmlformats.org/drawingml/2006/chart">

--- a/Report 1/Schedule.pptx
+++ b/Report 1/Schedule.pptx
@@ -217,9 +217,9 @@
           <c:invertIfNegative val="0"/>
           <c:cat>
             <c:strRef>
-              <c:f>Sheet1!$A$2:$A$14</c:f>
+              <c:f>Sheet1!$A$2:$A$13</c:f>
               <c:strCache>
-                <c:ptCount val="13"/>
+                <c:ptCount val="12"/>
                 <c:pt idx="0">
                   <c:v>Literature Review</c:v>
                 </c:pt>
@@ -251,12 +251,9 @@
                   <c:v>Report 2</c:v>
                 </c:pt>
                 <c:pt idx="10">
-                  <c:v>Exam Period</c:v>
+                  <c:v>Final Report</c:v>
                 </c:pt>
                 <c:pt idx="11">
-                  <c:v>Final Report</c:v>
-                </c:pt>
-                <c:pt idx="12">
                   <c:v>Final Presentation</c:v>
                 </c:pt>
               </c:strCache>
@@ -264,10 +261,10 @@
           </c:cat>
           <c:val>
             <c:numRef>
-              <c:f>Sheet1!$B$2:$B$14</c:f>
+              <c:f>Sheet1!$B$2:$B$13</c:f>
               <c:numCache>
                 <c:formatCode>d\ mmm</c:formatCode>
-                <c:ptCount val="13"/>
+                <c:ptCount val="12"/>
                 <c:pt idx="0">
                   <c:v>44200</c:v>
                 </c:pt>
@@ -290,7 +287,7 @@
                   <c:v>44262</c:v>
                 </c:pt>
                 <c:pt idx="7">
-                  <c:v>44291</c:v>
+                  <c:v>44277</c:v>
                 </c:pt>
                 <c:pt idx="8">
                   <c:v>44211</c:v>
@@ -299,12 +296,9 @@
                   <c:v>44231</c:v>
                 </c:pt>
                 <c:pt idx="10">
-                  <c:v>44277</c:v>
+                  <c:v>44291</c:v>
                 </c:pt>
                 <c:pt idx="11">
-                  <c:v>44291</c:v>
-                </c:pt>
-                <c:pt idx="12">
                   <c:v>44310</c:v>
                 </c:pt>
               </c:numCache>
@@ -343,30 +337,11 @@
             <a:effectLst/>
           </c:spPr>
           <c:invertIfNegative val="0"/>
-          <c:dPt>
-            <c:idx val="10"/>
-            <c:invertIfNegative val="0"/>
-            <c:bubble3D val="0"/>
-            <c:spPr>
-              <a:solidFill>
-                <a:schemeClr val="tx1"/>
-              </a:solidFill>
-              <a:ln>
-                <a:noFill/>
-              </a:ln>
-              <a:effectLst/>
-            </c:spPr>
-            <c:extLst>
-              <c:ext xmlns:c16="http://schemas.microsoft.com/office/drawing/2014/chart" uri="{C3380CC4-5D6E-409C-BE32-E72D297353CC}">
-                <c16:uniqueId val="{00000001-CB37-4FAE-B8F8-390CEA45DFDA}"/>
-              </c:ext>
-            </c:extLst>
-          </c:dPt>
           <c:cat>
             <c:strRef>
-              <c:f>Sheet1!$A$2:$A$14</c:f>
+              <c:f>Sheet1!$A$2:$A$13</c:f>
               <c:strCache>
-                <c:ptCount val="13"/>
+                <c:ptCount val="12"/>
                 <c:pt idx="0">
                   <c:v>Literature Review</c:v>
                 </c:pt>
@@ -398,12 +373,9 @@
                   <c:v>Report 2</c:v>
                 </c:pt>
                 <c:pt idx="10">
-                  <c:v>Exam Period</c:v>
+                  <c:v>Final Report</c:v>
                 </c:pt>
                 <c:pt idx="11">
-                  <c:v>Final Report</c:v>
-                </c:pt>
-                <c:pt idx="12">
                   <c:v>Final Presentation</c:v>
                 </c:pt>
               </c:strCache>
@@ -411,10 +383,10 @@
           </c:cat>
           <c:val>
             <c:numRef>
-              <c:f>Sheet1!$D$2:$D$14</c:f>
+              <c:f>Sheet1!$D$2:$D$13</c:f>
               <c:numCache>
                 <c:formatCode>General</c:formatCode>
-                <c:ptCount val="13"/>
+                <c:ptCount val="12"/>
                 <c:pt idx="0">
                   <c:v>10</c:v>
                 </c:pt>
@@ -437,7 +409,7 @@
                   <c:v>15</c:v>
                 </c:pt>
                 <c:pt idx="7">
-                  <c:v>23</c:v>
+                  <c:v>37</c:v>
                 </c:pt>
                 <c:pt idx="8">
                   <c:v>20</c:v>
@@ -446,12 +418,9 @@
                   <c:v>28</c:v>
                 </c:pt>
                 <c:pt idx="10">
-                  <c:v>14</c:v>
+                  <c:v>37</c:v>
                 </c:pt>
                 <c:pt idx="11">
-                  <c:v>37</c:v>
-                </c:pt>
-                <c:pt idx="12">
                   <c:v>20</c:v>
                 </c:pt>
               </c:numCache>
@@ -513,12 +482,12 @@
                     <c:extLst>
                       <c:ext uri="{02D57815-91ED-43cb-92C2-25804820EDAC}">
                         <c15:formulaRef>
-                          <c15:sqref>Sheet1!$A$2:$A$14</c15:sqref>
+                          <c15:sqref>Sheet1!$A$2:$A$13</c15:sqref>
                         </c15:formulaRef>
                       </c:ext>
                     </c:extLst>
                     <c:strCache>
-                      <c:ptCount val="13"/>
+                      <c:ptCount val="12"/>
                       <c:pt idx="0">
                         <c:v>Literature Review</c:v>
                       </c:pt>
@@ -550,12 +519,9 @@
                         <c:v>Report 2</c:v>
                       </c:pt>
                       <c:pt idx="10">
-                        <c:v>Exam Period</c:v>
+                        <c:v>Final Report</c:v>
                       </c:pt>
                       <c:pt idx="11">
-                        <c:v>Final Report</c:v>
-                      </c:pt>
-                      <c:pt idx="12">
                         <c:v>Final Presentation</c:v>
                       </c:pt>
                     </c:strCache>
@@ -566,13 +532,13 @@
                     <c:extLst>
                       <c:ext uri="{02D57815-91ED-43cb-92C2-25804820EDAC}">
                         <c15:formulaRef>
-                          <c15:sqref>Sheet1!$C$2:$C$14</c15:sqref>
+                          <c15:sqref>Sheet1!$C$2:$C$13</c15:sqref>
                         </c15:formulaRef>
                       </c:ext>
                     </c:extLst>
                     <c:numCache>
                       <c:formatCode>d\ mmm</c:formatCode>
-                      <c:ptCount val="13"/>
+                      <c:ptCount val="12"/>
                       <c:pt idx="0">
                         <c:v>44210</c:v>
                       </c:pt>
@@ -604,12 +570,9 @@
                         <c:v>44259</c:v>
                       </c:pt>
                       <c:pt idx="10">
-                        <c:v>44291</c:v>
+                        <c:v>44328</c:v>
                       </c:pt>
                       <c:pt idx="11">
-                        <c:v>44328</c:v>
-                      </c:pt>
-                      <c:pt idx="12">
                         <c:v>44330</c:v>
                       </c:pt>
                     </c:numCache>
@@ -1474,7 +1437,7 @@
           <a:p>
             <a:fld id="{71BC78B5-5E36-4667-9623-62AF9EE9F50C}" type="datetimeFigureOut">
               <a:rPr lang="en-SG" smtClean="0"/>
-              <a:t>28/1/2021</a:t>
+              <a:t>29/1/2021</a:t>
             </a:fld>
             <a:endParaRPr lang="en-SG"/>
           </a:p>
@@ -1674,7 +1637,7 @@
           <a:p>
             <a:fld id="{71BC78B5-5E36-4667-9623-62AF9EE9F50C}" type="datetimeFigureOut">
               <a:rPr lang="en-SG" smtClean="0"/>
-              <a:t>28/1/2021</a:t>
+              <a:t>29/1/2021</a:t>
             </a:fld>
             <a:endParaRPr lang="en-SG"/>
           </a:p>
@@ -1884,7 +1847,7 @@
           <a:p>
             <a:fld id="{71BC78B5-5E36-4667-9623-62AF9EE9F50C}" type="datetimeFigureOut">
               <a:rPr lang="en-SG" smtClean="0"/>
-              <a:t>28/1/2021</a:t>
+              <a:t>29/1/2021</a:t>
             </a:fld>
             <a:endParaRPr lang="en-SG"/>
           </a:p>
@@ -2084,7 +2047,7 @@
           <a:p>
             <a:fld id="{71BC78B5-5E36-4667-9623-62AF9EE9F50C}" type="datetimeFigureOut">
               <a:rPr lang="en-SG" smtClean="0"/>
-              <a:t>28/1/2021</a:t>
+              <a:t>29/1/2021</a:t>
             </a:fld>
             <a:endParaRPr lang="en-SG"/>
           </a:p>
@@ -2360,7 +2323,7 @@
           <a:p>
             <a:fld id="{71BC78B5-5E36-4667-9623-62AF9EE9F50C}" type="datetimeFigureOut">
               <a:rPr lang="en-SG" smtClean="0"/>
-              <a:t>28/1/2021</a:t>
+              <a:t>29/1/2021</a:t>
             </a:fld>
             <a:endParaRPr lang="en-SG"/>
           </a:p>
@@ -2628,7 +2591,7 @@
           <a:p>
             <a:fld id="{71BC78B5-5E36-4667-9623-62AF9EE9F50C}" type="datetimeFigureOut">
               <a:rPr lang="en-SG" smtClean="0"/>
-              <a:t>28/1/2021</a:t>
+              <a:t>29/1/2021</a:t>
             </a:fld>
             <a:endParaRPr lang="en-SG"/>
           </a:p>
@@ -3043,7 +3006,7 @@
           <a:p>
             <a:fld id="{71BC78B5-5E36-4667-9623-62AF9EE9F50C}" type="datetimeFigureOut">
               <a:rPr lang="en-SG" smtClean="0"/>
-              <a:t>28/1/2021</a:t>
+              <a:t>29/1/2021</a:t>
             </a:fld>
             <a:endParaRPr lang="en-SG"/>
           </a:p>
@@ -3185,7 +3148,7 @@
           <a:p>
             <a:fld id="{71BC78B5-5E36-4667-9623-62AF9EE9F50C}" type="datetimeFigureOut">
               <a:rPr lang="en-SG" smtClean="0"/>
-              <a:t>28/1/2021</a:t>
+              <a:t>29/1/2021</a:t>
             </a:fld>
             <a:endParaRPr lang="en-SG"/>
           </a:p>
@@ -3298,7 +3261,7 @@
           <a:p>
             <a:fld id="{71BC78B5-5E36-4667-9623-62AF9EE9F50C}" type="datetimeFigureOut">
               <a:rPr lang="en-SG" smtClean="0"/>
-              <a:t>28/1/2021</a:t>
+              <a:t>29/1/2021</a:t>
             </a:fld>
             <a:endParaRPr lang="en-SG"/>
           </a:p>
@@ -3611,7 +3574,7 @@
           <a:p>
             <a:fld id="{71BC78B5-5E36-4667-9623-62AF9EE9F50C}" type="datetimeFigureOut">
               <a:rPr lang="en-SG" smtClean="0"/>
-              <a:t>28/1/2021</a:t>
+              <a:t>29/1/2021</a:t>
             </a:fld>
             <a:endParaRPr lang="en-SG"/>
           </a:p>
@@ -3900,7 +3863,7 @@
           <a:p>
             <a:fld id="{71BC78B5-5E36-4667-9623-62AF9EE9F50C}" type="datetimeFigureOut">
               <a:rPr lang="en-SG" smtClean="0"/>
-              <a:t>28/1/2021</a:t>
+              <a:t>29/1/2021</a:t>
             </a:fld>
             <a:endParaRPr lang="en-SG"/>
           </a:p>
@@ -4143,7 +4106,7 @@
           <a:p>
             <a:fld id="{71BC78B5-5E36-4667-9623-62AF9EE9F50C}" type="datetimeFigureOut">
               <a:rPr lang="en-SG" smtClean="0"/>
-              <a:t>28/1/2021</a:t>
+              <a:t>29/1/2021</a:t>
             </a:fld>
             <a:endParaRPr lang="en-SG"/>
           </a:p>
@@ -4573,13 +4536,13 @@
           <p:nvPr>
             <p:extLst>
               <p:ext uri="{D42A27DB-BD31-4B8C-83A1-F6EECF244321}">
-                <p14:modId xmlns:p14="http://schemas.microsoft.com/office/powerpoint/2010/main" val="330634557"/>
+                <p14:modId xmlns:p14="http://schemas.microsoft.com/office/powerpoint/2010/main" val="754661311"/>
               </p:ext>
             </p:extLst>
           </p:nvPr>
         </p:nvGraphicFramePr>
         <p:xfrm>
-          <a:off x="544010" y="719666"/>
+          <a:off x="590309" y="719666"/>
           <a:ext cx="9615990" cy="5418667"/>
         </p:xfrm>
         <a:graphic>
